--- a/Workshop2_intro.pptx
+++ b/Workshop2_intro.pptx
@@ -7,6 +7,9 @@
   <p:sldIdLst>
     <p:sldId id="256" r:id="rId2"/>
     <p:sldId id="257" r:id="rId3"/>
+    <p:sldId id="258" r:id="rId4"/>
+    <p:sldId id="259" r:id="rId5"/>
+    <p:sldId id="260" r:id="rId6"/>
   </p:sldIdLst>
   <p:sldSz cx="12192000" cy="6858000"/>
   <p:notesSz cx="6858000" cy="9144000"/>
@@ -2977,7 +2980,7 @@
         </p:nvSpPr>
         <p:spPr>
           <a:xfrm>
-            <a:off x="1586628" y="1956121"/>
+            <a:off x="1519251" y="1407482"/>
             <a:ext cx="9144000" cy="2702272"/>
           </a:xfrm>
         </p:spPr>
@@ -3014,28 +3017,6 @@
                 <a:latin typeface="Bahnschrift" panose="020B0502040204020203" pitchFamily="34" charset="0"/>
               </a:rPr>
               <a:t> Medical image segmentation with CNNs</a:t>
-            </a:r>
-            <a:br>
-              <a:rPr lang="en-GB" sz="4400" smtClean="0">
-                <a:latin typeface="Bahnschrift" panose="020B0502040204020203" pitchFamily="34" charset="0"/>
-              </a:rPr>
-            </a:br>
-            <a:r>
-              <a:rPr lang="en-GB" sz="4400">
-                <a:latin typeface="Bahnschrift" panose="020B0502040204020203" pitchFamily="34" charset="0"/>
-              </a:rPr>
-              <a:t/>
-            </a:r>
-            <a:br>
-              <a:rPr lang="en-GB" sz="4400">
-                <a:latin typeface="Bahnschrift" panose="020B0502040204020203" pitchFamily="34" charset="0"/>
-              </a:rPr>
-            </a:br>
-            <a:r>
-              <a:rPr lang="en-GB" sz="2000" smtClean="0">
-                <a:latin typeface="Bahnschrift Light" panose="020B0502040204020203" pitchFamily="34" charset="0"/>
-              </a:rPr>
-              <a:t>Dónal McSweeney, Edward Henderson and Eliana Vasquez Osorio</a:t>
             </a:r>
             <a:endParaRPr lang="en-GB" sz="4400">
               <a:latin typeface="Bahnschrift Light" panose="020B0502040204020203" pitchFamily="34" charset="0"/>
@@ -3075,35 +3056,222 @@
       </p:grpSpPr>
       <p:sp>
         <p:nvSpPr>
-          <p:cNvPr id="2" name="Title 1"/>
-          <p:cNvSpPr>
-            <a:spLocks noGrp="1"/>
-          </p:cNvSpPr>
-          <p:nvPr>
-            <p:ph type="ctrTitle"/>
-          </p:nvPr>
+          <p:cNvPr id="4" name="TextBox 3"/>
+          <p:cNvSpPr txBox="1"/>
+          <p:nvPr/>
         </p:nvSpPr>
         <p:spPr>
           <a:xfrm>
-            <a:off x="1482455" y="150469"/>
-            <a:ext cx="9144000" cy="931345"/>
+            <a:off x="312518" y="393537"/>
+            <a:ext cx="7326774" cy="523220"/>
           </a:xfrm>
+          <a:prstGeom prst="rect">
+            <a:avLst/>
+          </a:prstGeom>
+          <a:noFill/>
         </p:spPr>
         <p:txBody>
-          <a:bodyPr>
-            <a:noAutofit/>
+          <a:bodyPr wrap="square" rtlCol="0">
+            <a:spAutoFit/>
           </a:bodyPr>
           <a:lstStyle/>
           <a:p>
             <a:r>
-              <a:rPr lang="en-GB" sz="4400" smtClean="0">
+              <a:rPr lang="en-GB" sz="2800" smtClean="0">
                 <a:latin typeface="Bahnschrift" panose="020B0502040204020203" pitchFamily="34" charset="0"/>
               </a:rPr>
-              <a:t>Part 1</a:t>
-            </a:r>
-            <a:endParaRPr lang="en-GB" sz="4400">
+              <a:t>Part 1 - Abdominal organ segmentation</a:t>
+            </a:r>
+            <a:endParaRPr lang="en-GB" sz="2800">
               <a:latin typeface="Bahnschrift" panose="020B0502040204020203" pitchFamily="34" charset="0"/>
             </a:endParaRPr>
+          </a:p>
+        </p:txBody>
+      </p:sp>
+      <p:sp>
+        <p:nvSpPr>
+          <p:cNvPr id="6" name="TextBox 5"/>
+          <p:cNvSpPr txBox="1"/>
+          <p:nvPr/>
+        </p:nvSpPr>
+        <p:spPr>
+          <a:xfrm>
+            <a:off x="312518" y="1078606"/>
+            <a:ext cx="11343190" cy="646331"/>
+          </a:xfrm>
+          <a:prstGeom prst="rect">
+            <a:avLst/>
+          </a:prstGeom>
+          <a:noFill/>
+        </p:spPr>
+        <p:txBody>
+          <a:bodyPr wrap="square" rtlCol="0">
+            <a:spAutoFit/>
+          </a:bodyPr>
+          <a:lstStyle/>
+          <a:p>
+            <a:r>
+              <a:rPr lang="en-GB" smtClean="0">
+                <a:latin typeface="Bahnschrift" panose="020B0502040204020203" pitchFamily="34" charset="0"/>
+              </a:rPr>
+              <a:t>We will use data from the FLARE challenge from MICCAI 2021.</a:t>
+            </a:r>
+          </a:p>
+          <a:p>
+            <a:r>
+              <a:rPr lang="en-GB" smtClean="0">
+                <a:latin typeface="Bahnschrift" panose="020B0502040204020203" pitchFamily="34" charset="0"/>
+              </a:rPr>
+              <a:t>Train a deep-learning model to segment the liver, the kidneys, the spleen and the pancreas.</a:t>
+            </a:r>
+            <a:endParaRPr lang="en-GB"/>
+          </a:p>
+        </p:txBody>
+      </p:sp>
+      <p:pic>
+        <p:nvPicPr>
+          <p:cNvPr id="7" name="Picture 6"/>
+          <p:cNvPicPr>
+            <a:picLocks noChangeAspect="1"/>
+          </p:cNvPicPr>
+          <p:nvPr/>
+        </p:nvPicPr>
+        <p:blipFill>
+          <a:blip r:embed="rId2"/>
+          <a:stretch>
+            <a:fillRect/>
+          </a:stretch>
+        </p:blipFill>
+        <p:spPr>
+          <a:xfrm>
+            <a:off x="6630975" y="2281186"/>
+            <a:ext cx="5272673" cy="4124425"/>
+          </a:xfrm>
+          <a:prstGeom prst="rect">
+            <a:avLst/>
+          </a:prstGeom>
+        </p:spPr>
+      </p:pic>
+      <p:sp>
+        <p:nvSpPr>
+          <p:cNvPr id="8" name="TextBox 7"/>
+          <p:cNvSpPr txBox="1"/>
+          <p:nvPr/>
+        </p:nvSpPr>
+        <p:spPr>
+          <a:xfrm>
+            <a:off x="312518" y="1930750"/>
+            <a:ext cx="5655145" cy="3631763"/>
+          </a:xfrm>
+          <a:prstGeom prst="rect">
+            <a:avLst/>
+          </a:prstGeom>
+          <a:noFill/>
+        </p:spPr>
+        <p:txBody>
+          <a:bodyPr wrap="square" rtlCol="0">
+            <a:spAutoFit/>
+          </a:bodyPr>
+          <a:lstStyle/>
+          <a:p>
+            <a:r>
+              <a:rPr lang="en-GB" smtClean="0">
+                <a:latin typeface="Bahnschrift Light" panose="020B0502040204020203" pitchFamily="34" charset="0"/>
+              </a:rPr>
+              <a:t>This part is a tutorial – make sure you understand what each cell is doing.</a:t>
+            </a:r>
+          </a:p>
+          <a:p>
+            <a:endParaRPr lang="en-GB">
+              <a:latin typeface="Bahnschrift Light" panose="020B0502040204020203" pitchFamily="34" charset="0"/>
+            </a:endParaRPr>
+          </a:p>
+          <a:p>
+            <a:r>
+              <a:rPr lang="en-GB" smtClean="0">
+                <a:latin typeface="Bahnschrift Light" panose="020B0502040204020203" pitchFamily="34" charset="0"/>
+              </a:rPr>
+              <a:t>Will walk you through:</a:t>
+            </a:r>
+          </a:p>
+          <a:p>
+            <a:pPr marL="285750" indent="-285750">
+              <a:buFontTx/>
+              <a:buChar char="-"/>
+            </a:pPr>
+            <a:r>
+              <a:rPr lang="en-GB" smtClean="0">
+                <a:latin typeface="Bahnschrift Light" panose="020B0502040204020203" pitchFamily="34" charset="0"/>
+              </a:rPr>
+              <a:t>Pre-processing the data;</a:t>
+            </a:r>
+          </a:p>
+          <a:p>
+            <a:pPr marL="285750" indent="-285750">
+              <a:buFontTx/>
+              <a:buChar char="-"/>
+            </a:pPr>
+            <a:r>
+              <a:rPr lang="en-GB" smtClean="0">
+                <a:latin typeface="Bahnschrift Light" panose="020B0502040204020203" pitchFamily="34" charset="0"/>
+              </a:rPr>
+              <a:t>Loading a pre-trained segmentation model;</a:t>
+            </a:r>
+          </a:p>
+          <a:p>
+            <a:pPr marL="285750" indent="-285750">
+              <a:buFontTx/>
+              <a:buChar char="-"/>
+            </a:pPr>
+            <a:r>
+              <a:rPr lang="en-GB" smtClean="0">
+                <a:latin typeface="Bahnschrift Light" panose="020B0502040204020203" pitchFamily="34" charset="0"/>
+              </a:rPr>
+              <a:t>Set up training loops (loss function, optimizers, forward pass, backprop);</a:t>
+            </a:r>
+          </a:p>
+          <a:p>
+            <a:pPr marL="285750" indent="-285750">
+              <a:buFontTx/>
+              <a:buChar char="-"/>
+            </a:pPr>
+            <a:r>
+              <a:rPr lang="en-GB" smtClean="0">
+                <a:latin typeface="Bahnschrift Light" panose="020B0502040204020203" pitchFamily="34" charset="0"/>
+              </a:rPr>
+              <a:t>Training;</a:t>
+            </a:r>
+          </a:p>
+          <a:p>
+            <a:pPr marL="285750" indent="-285750">
+              <a:buFontTx/>
+              <a:buChar char="-"/>
+            </a:pPr>
+            <a:r>
+              <a:rPr lang="en-GB" smtClean="0">
+                <a:latin typeface="Bahnschrift Light" panose="020B0502040204020203" pitchFamily="34" charset="0"/>
+              </a:rPr>
+              <a:t>Evaluating model predictions;</a:t>
+            </a:r>
+          </a:p>
+          <a:p>
+            <a:pPr marL="285750" indent="-285750">
+              <a:buFontTx/>
+              <a:buChar char="-"/>
+            </a:pPr>
+            <a:r>
+              <a:rPr lang="en-GB" sz="2400" b="1" smtClean="0">
+                <a:latin typeface="Bahnschrift Light" panose="020B0502040204020203" pitchFamily="34" charset="0"/>
+              </a:rPr>
+              <a:t>Plot your results!</a:t>
+            </a:r>
+          </a:p>
+          <a:p>
+            <a:pPr marL="285750" indent="-285750">
+              <a:buFontTx/>
+              <a:buChar char="-"/>
+            </a:pPr>
+            <a:endParaRPr lang="en-GB" smtClean="0"/>
           </a:p>
         </p:txBody>
       </p:sp>
@@ -3111,6 +3279,840 @@
     <p:extLst>
       <p:ext uri="{BB962C8B-B14F-4D97-AF65-F5344CB8AC3E}">
         <p14:creationId xmlns:p14="http://schemas.microsoft.com/office/powerpoint/2010/main" val="3332998144"/>
+      </p:ext>
+    </p:extLst>
+  </p:cSld>
+  <p:clrMapOvr>
+    <a:masterClrMapping/>
+  </p:clrMapOvr>
+</p:sld>
+</file>
+
+<file path=ppt/slides/slide3.xml><?xml version="1.0" encoding="utf-8"?>
+<p:sld xmlns:a="http://schemas.openxmlformats.org/drawingml/2006/main" xmlns:r="http://schemas.openxmlformats.org/officeDocument/2006/relationships" xmlns:p="http://schemas.openxmlformats.org/presentationml/2006/main">
+  <p:cSld>
+    <p:spTree>
+      <p:nvGrpSpPr>
+        <p:cNvPr id="1" name=""/>
+        <p:cNvGrpSpPr/>
+        <p:nvPr/>
+      </p:nvGrpSpPr>
+      <p:grpSpPr>
+        <a:xfrm>
+          <a:off x="0" y="0"/>
+          <a:ext cx="0" cy="0"/>
+          <a:chOff x="0" y="0"/>
+          <a:chExt cx="0" cy="0"/>
+        </a:xfrm>
+      </p:grpSpPr>
+      <p:sp>
+        <p:nvSpPr>
+          <p:cNvPr id="4" name="TextBox 3"/>
+          <p:cNvSpPr txBox="1"/>
+          <p:nvPr/>
+        </p:nvSpPr>
+        <p:spPr>
+          <a:xfrm>
+            <a:off x="312518" y="393537"/>
+            <a:ext cx="7326774" cy="523220"/>
+          </a:xfrm>
+          <a:prstGeom prst="rect">
+            <a:avLst/>
+          </a:prstGeom>
+          <a:noFill/>
+        </p:spPr>
+        <p:txBody>
+          <a:bodyPr wrap="square" rtlCol="0">
+            <a:spAutoFit/>
+          </a:bodyPr>
+          <a:lstStyle/>
+          <a:p>
+            <a:r>
+              <a:rPr lang="en-GB" sz="2800" smtClean="0">
+                <a:latin typeface="Bahnschrift" panose="020B0502040204020203" pitchFamily="34" charset="0"/>
+              </a:rPr>
+              <a:t>Part 2 – Head and neck organ segmentation</a:t>
+            </a:r>
+            <a:endParaRPr lang="en-GB" sz="2800">
+              <a:latin typeface="Bahnschrift" panose="020B0502040204020203" pitchFamily="34" charset="0"/>
+            </a:endParaRPr>
+          </a:p>
+        </p:txBody>
+      </p:sp>
+      <p:pic>
+        <p:nvPicPr>
+          <p:cNvPr id="2" name="Picture 1"/>
+          <p:cNvPicPr>
+            <a:picLocks noChangeAspect="1"/>
+          </p:cNvPicPr>
+          <p:nvPr/>
+        </p:nvPicPr>
+        <p:blipFill>
+          <a:blip r:embed="rId2"/>
+          <a:stretch>
+            <a:fillRect/>
+          </a:stretch>
+        </p:blipFill>
+        <p:spPr>
+          <a:xfrm>
+            <a:off x="7503294" y="2001936"/>
+            <a:ext cx="4038600" cy="4029075"/>
+          </a:xfrm>
+          <a:prstGeom prst="rect">
+            <a:avLst/>
+          </a:prstGeom>
+        </p:spPr>
+      </p:pic>
+      <p:sp>
+        <p:nvSpPr>
+          <p:cNvPr id="5" name="TextBox 4"/>
+          <p:cNvSpPr txBox="1"/>
+          <p:nvPr/>
+        </p:nvSpPr>
+        <p:spPr>
+          <a:xfrm>
+            <a:off x="312518" y="1078606"/>
+            <a:ext cx="11343190" cy="923330"/>
+          </a:xfrm>
+          <a:prstGeom prst="rect">
+            <a:avLst/>
+          </a:prstGeom>
+          <a:noFill/>
+        </p:spPr>
+        <p:txBody>
+          <a:bodyPr wrap="square" rtlCol="0">
+            <a:spAutoFit/>
+          </a:bodyPr>
+          <a:lstStyle/>
+          <a:p>
+            <a:r>
+              <a:rPr lang="en-GB" smtClean="0">
+                <a:latin typeface="Bahnschrift" panose="020B0502040204020203" pitchFamily="34" charset="0"/>
+              </a:rPr>
+              <a:t>We will use open-access data from The Cancer Imaging Archive.</a:t>
+            </a:r>
+          </a:p>
+          <a:p>
+            <a:r>
+              <a:rPr lang="en-GB" smtClean="0">
+                <a:latin typeface="Bahnschrift" panose="020B0502040204020203" pitchFamily="34" charset="0"/>
+              </a:rPr>
+              <a:t>Train a deep-learning model to segment the brainstem, the mandible, the parotid glands, and the spinal cord.</a:t>
+            </a:r>
+            <a:endParaRPr lang="en-GB"/>
+          </a:p>
+          <a:p>
+            <a:endParaRPr lang="en-GB"/>
+          </a:p>
+        </p:txBody>
+      </p:sp>
+      <p:sp>
+        <p:nvSpPr>
+          <p:cNvPr id="7" name="TextBox 6"/>
+          <p:cNvSpPr txBox="1"/>
+          <p:nvPr/>
+        </p:nvSpPr>
+        <p:spPr>
+          <a:xfrm>
+            <a:off x="591651" y="2363887"/>
+            <a:ext cx="5655145" cy="3016210"/>
+          </a:xfrm>
+          <a:prstGeom prst="rect">
+            <a:avLst/>
+          </a:prstGeom>
+          <a:noFill/>
+        </p:spPr>
+        <p:txBody>
+          <a:bodyPr wrap="square" rtlCol="0">
+            <a:spAutoFit/>
+          </a:bodyPr>
+          <a:lstStyle/>
+          <a:p>
+            <a:r>
+              <a:rPr lang="en-GB" sz="2800" smtClean="0">
+                <a:latin typeface="Bahnschrift Light" panose="020B0502040204020203" pitchFamily="34" charset="0"/>
+              </a:rPr>
+              <a:t>Now, you are on your own!</a:t>
+            </a:r>
+          </a:p>
+          <a:p>
+            <a:endParaRPr lang="en-GB">
+              <a:latin typeface="Bahnschrift Light" panose="020B0502040204020203" pitchFamily="34" charset="0"/>
+            </a:endParaRPr>
+          </a:p>
+          <a:p>
+            <a:r>
+              <a:rPr lang="en-GB" smtClean="0">
+                <a:latin typeface="Bahnschrift Light" panose="020B0502040204020203" pitchFamily="34" charset="0"/>
+              </a:rPr>
+              <a:t>We will load the data, but </a:t>
+            </a:r>
+            <a:r>
+              <a:rPr lang="en-GB" i="1" u="sng" smtClean="0">
+                <a:latin typeface="Bahnschrift Light" panose="020B0502040204020203" pitchFamily="34" charset="0"/>
+              </a:rPr>
+              <a:t>you</a:t>
+            </a:r>
+            <a:r>
+              <a:rPr lang="en-GB" i="1" smtClean="0">
+                <a:latin typeface="Bahnschrift Light" panose="020B0502040204020203" pitchFamily="34" charset="0"/>
+              </a:rPr>
+              <a:t> </a:t>
+            </a:r>
+            <a:r>
+              <a:rPr lang="en-GB" smtClean="0">
+                <a:latin typeface="Bahnschrift Light" panose="020B0502040204020203" pitchFamily="34" charset="0"/>
+              </a:rPr>
+              <a:t>will need to:</a:t>
+            </a:r>
+          </a:p>
+          <a:p>
+            <a:endParaRPr lang="en-GB" u="sng" smtClean="0">
+              <a:latin typeface="Bahnschrift Light" panose="020B0502040204020203" pitchFamily="34" charset="0"/>
+            </a:endParaRPr>
+          </a:p>
+          <a:p>
+            <a:pPr marL="285750" indent="-285750">
+              <a:buFontTx/>
+              <a:buChar char="-"/>
+            </a:pPr>
+            <a:r>
+              <a:rPr lang="en-GB" smtClean="0">
+                <a:latin typeface="Bahnschrift Light" panose="020B0502040204020203" pitchFamily="34" charset="0"/>
+              </a:rPr>
+              <a:t>Pre-process the data;</a:t>
+            </a:r>
+          </a:p>
+          <a:p>
+            <a:pPr marL="285750" indent="-285750">
+              <a:buFontTx/>
+              <a:buChar char="-"/>
+            </a:pPr>
+            <a:r>
+              <a:rPr lang="en-GB" smtClean="0">
+                <a:latin typeface="Bahnschrift Light" panose="020B0502040204020203" pitchFamily="34" charset="0"/>
+              </a:rPr>
+              <a:t>Load a pre-trained segmentation model;</a:t>
+            </a:r>
+          </a:p>
+          <a:p>
+            <a:pPr marL="285750" indent="-285750">
+              <a:buFontTx/>
+              <a:buChar char="-"/>
+            </a:pPr>
+            <a:r>
+              <a:rPr lang="en-GB" smtClean="0">
+                <a:latin typeface="Bahnschrift Light" panose="020B0502040204020203" pitchFamily="34" charset="0"/>
+              </a:rPr>
+              <a:t>Set up training loops (loss function, optimizers, forward pass, backprop);</a:t>
+            </a:r>
+          </a:p>
+          <a:p>
+            <a:pPr marL="285750" indent="-285750">
+              <a:buFontTx/>
+              <a:buChar char="-"/>
+            </a:pPr>
+            <a:r>
+              <a:rPr lang="en-GB" smtClean="0">
+                <a:latin typeface="Bahnschrift Light" panose="020B0502040204020203" pitchFamily="34" charset="0"/>
+              </a:rPr>
+              <a:t>Train the model;</a:t>
+            </a:r>
+          </a:p>
+          <a:p>
+            <a:pPr marL="285750" indent="-285750">
+              <a:buFontTx/>
+              <a:buChar char="-"/>
+            </a:pPr>
+            <a:r>
+              <a:rPr lang="en-GB" smtClean="0">
+                <a:latin typeface="Bahnschrift Light" panose="020B0502040204020203" pitchFamily="34" charset="0"/>
+              </a:rPr>
+              <a:t>Evaluate model predictions;</a:t>
+            </a:r>
+          </a:p>
+        </p:txBody>
+      </p:sp>
+    </p:spTree>
+    <p:extLst>
+      <p:ext uri="{BB962C8B-B14F-4D97-AF65-F5344CB8AC3E}">
+        <p14:creationId xmlns:p14="http://schemas.microsoft.com/office/powerpoint/2010/main" val="2814469946"/>
+      </p:ext>
+    </p:extLst>
+  </p:cSld>
+  <p:clrMapOvr>
+    <a:masterClrMapping/>
+  </p:clrMapOvr>
+</p:sld>
+</file>
+
+<file path=ppt/slides/slide4.xml><?xml version="1.0" encoding="utf-8"?>
+<p:sld xmlns:a="http://schemas.openxmlformats.org/drawingml/2006/main" xmlns:r="http://schemas.openxmlformats.org/officeDocument/2006/relationships" xmlns:p="http://schemas.openxmlformats.org/presentationml/2006/main">
+  <p:cSld>
+    <p:spTree>
+      <p:nvGrpSpPr>
+        <p:cNvPr id="1" name=""/>
+        <p:cNvGrpSpPr/>
+        <p:nvPr/>
+      </p:nvGrpSpPr>
+      <p:grpSpPr>
+        <a:xfrm>
+          <a:off x="0" y="0"/>
+          <a:ext cx="0" cy="0"/>
+          <a:chOff x="0" y="0"/>
+          <a:chExt cx="0" cy="0"/>
+        </a:xfrm>
+      </p:grpSpPr>
+      <p:sp>
+        <p:nvSpPr>
+          <p:cNvPr id="4" name="TextBox 3"/>
+          <p:cNvSpPr txBox="1"/>
+          <p:nvPr/>
+        </p:nvSpPr>
+        <p:spPr>
+          <a:xfrm>
+            <a:off x="312517" y="393537"/>
+            <a:ext cx="12007819" cy="523220"/>
+          </a:xfrm>
+          <a:prstGeom prst="rect">
+            <a:avLst/>
+          </a:prstGeom>
+          <a:noFill/>
+        </p:spPr>
+        <p:txBody>
+          <a:bodyPr wrap="square" rtlCol="0">
+            <a:spAutoFit/>
+          </a:bodyPr>
+          <a:lstStyle/>
+          <a:p>
+            <a:r>
+              <a:rPr lang="en-GB" sz="2800" smtClean="0">
+                <a:latin typeface="Bahnschrift" panose="020B0502040204020203" pitchFamily="34" charset="0"/>
+              </a:rPr>
+              <a:t>Part 3 – Challenge: Image classification followed by organ segmentation</a:t>
+            </a:r>
+            <a:endParaRPr lang="en-GB" sz="2800">
+              <a:latin typeface="Bahnschrift" panose="020B0502040204020203" pitchFamily="34" charset="0"/>
+            </a:endParaRPr>
+          </a:p>
+        </p:txBody>
+      </p:sp>
+      <p:sp>
+        <p:nvSpPr>
+          <p:cNvPr id="5" name="TextBox 4"/>
+          <p:cNvSpPr txBox="1"/>
+          <p:nvPr/>
+        </p:nvSpPr>
+        <p:spPr>
+          <a:xfrm>
+            <a:off x="453484" y="1169652"/>
+            <a:ext cx="11343190" cy="923330"/>
+          </a:xfrm>
+          <a:prstGeom prst="rect">
+            <a:avLst/>
+          </a:prstGeom>
+          <a:noFill/>
+        </p:spPr>
+        <p:txBody>
+          <a:bodyPr wrap="square" rtlCol="0">
+            <a:spAutoFit/>
+          </a:bodyPr>
+          <a:lstStyle/>
+          <a:p>
+            <a:r>
+              <a:rPr lang="en-GB" smtClean="0">
+                <a:latin typeface="Bahnschrift" panose="020B0502040204020203" pitchFamily="34" charset="0"/>
+              </a:rPr>
+              <a:t>You will be given a random mix of head and neck CT scans and abdominal CT scans.</a:t>
+            </a:r>
+          </a:p>
+          <a:p>
+            <a:endParaRPr lang="en-GB"/>
+          </a:p>
+          <a:p>
+            <a:endParaRPr lang="en-GB"/>
+          </a:p>
+        </p:txBody>
+      </p:sp>
+      <p:sp>
+        <p:nvSpPr>
+          <p:cNvPr id="7" name="TextBox 6"/>
+          <p:cNvSpPr txBox="1"/>
+          <p:nvPr/>
+        </p:nvSpPr>
+        <p:spPr>
+          <a:xfrm>
+            <a:off x="3209723" y="1988502"/>
+            <a:ext cx="5655145" cy="1077218"/>
+          </a:xfrm>
+          <a:prstGeom prst="rect">
+            <a:avLst/>
+          </a:prstGeom>
+          <a:noFill/>
+        </p:spPr>
+        <p:txBody>
+          <a:bodyPr wrap="square" rtlCol="0">
+            <a:spAutoFit/>
+          </a:bodyPr>
+          <a:lstStyle/>
+          <a:p>
+            <a:r>
+              <a:rPr lang="en-GB" sz="2800" smtClean="0">
+                <a:latin typeface="Bahnschrift Light" panose="020B0502040204020203" pitchFamily="34" charset="0"/>
+              </a:rPr>
+              <a:t>Now, you are </a:t>
+            </a:r>
+            <a:r>
+              <a:rPr lang="en-GB" sz="2800" u="sng" smtClean="0">
+                <a:latin typeface="Bahnschrift Light" panose="020B0502040204020203" pitchFamily="34" charset="0"/>
+              </a:rPr>
+              <a:t>really</a:t>
+            </a:r>
+            <a:r>
+              <a:rPr lang="en-GB" sz="2800" smtClean="0">
+                <a:latin typeface="Bahnschrift Light" panose="020B0502040204020203" pitchFamily="34" charset="0"/>
+              </a:rPr>
+              <a:t> on your own!</a:t>
+            </a:r>
+          </a:p>
+          <a:p>
+            <a:endParaRPr lang="en-GB" smtClean="0">
+              <a:latin typeface="Bahnschrift Light" panose="020B0502040204020203" pitchFamily="34" charset="0"/>
+            </a:endParaRPr>
+          </a:p>
+          <a:p>
+            <a:endParaRPr lang="en-GB" smtClean="0">
+              <a:latin typeface="Bahnschrift Light" panose="020B0502040204020203" pitchFamily="34" charset="0"/>
+            </a:endParaRPr>
+          </a:p>
+        </p:txBody>
+      </p:sp>
+      <p:sp>
+        <p:nvSpPr>
+          <p:cNvPr id="8" name="TextBox 7"/>
+          <p:cNvSpPr txBox="1"/>
+          <p:nvPr/>
+        </p:nvSpPr>
+        <p:spPr>
+          <a:xfrm>
+            <a:off x="543524" y="2911832"/>
+            <a:ext cx="9331996" cy="1754326"/>
+          </a:xfrm>
+          <a:prstGeom prst="rect">
+            <a:avLst/>
+          </a:prstGeom>
+          <a:noFill/>
+        </p:spPr>
+        <p:txBody>
+          <a:bodyPr wrap="square" rtlCol="0">
+            <a:spAutoFit/>
+          </a:bodyPr>
+          <a:lstStyle/>
+          <a:p>
+            <a:r>
+              <a:rPr lang="en-GB" smtClean="0">
+                <a:latin typeface="Bahnschrift Light" panose="020B0502040204020203" pitchFamily="34" charset="0"/>
+              </a:rPr>
+              <a:t>We provide skeleton code (+ small hints throughout) but you will need to come up with your own solution.</a:t>
+            </a:r>
+          </a:p>
+          <a:p>
+            <a:endParaRPr lang="en-GB" smtClean="0">
+              <a:latin typeface="Bahnschrift Light" panose="020B0502040204020203" pitchFamily="34" charset="0"/>
+            </a:endParaRPr>
+          </a:p>
+          <a:p>
+            <a:endParaRPr lang="en-GB">
+              <a:latin typeface="Bahnschrift Light" panose="020B0502040204020203" pitchFamily="34" charset="0"/>
+            </a:endParaRPr>
+          </a:p>
+          <a:p>
+            <a:r>
+              <a:rPr lang="en-GB" smtClean="0">
+                <a:latin typeface="Bahnschrift Light" panose="020B0502040204020203" pitchFamily="34" charset="0"/>
+              </a:rPr>
+              <a:t>Given a random image, can you train a classifier to tell you what type of image it is?</a:t>
+            </a:r>
+          </a:p>
+          <a:p>
+            <a:r>
+              <a:rPr lang="en-GB">
+                <a:latin typeface="Bahnschrift Light" panose="020B0502040204020203" pitchFamily="34" charset="0"/>
+              </a:rPr>
+              <a:t>	</a:t>
+            </a:r>
+            <a:r>
+              <a:rPr lang="en-GB" smtClean="0">
+                <a:latin typeface="Bahnschrift Light" panose="020B0502040204020203" pitchFamily="34" charset="0"/>
+              </a:rPr>
+              <a:t>Then, use the appropriate segmentation model (from Part 1 &amp; 2).</a:t>
+            </a:r>
+          </a:p>
+        </p:txBody>
+      </p:sp>
+    </p:spTree>
+    <p:extLst>
+      <p:ext uri="{BB962C8B-B14F-4D97-AF65-F5344CB8AC3E}">
+        <p14:creationId xmlns:p14="http://schemas.microsoft.com/office/powerpoint/2010/main" val="1511677363"/>
+      </p:ext>
+    </p:extLst>
+  </p:cSld>
+  <p:clrMapOvr>
+    <a:masterClrMapping/>
+  </p:clrMapOvr>
+</p:sld>
+</file>
+
+<file path=ppt/slides/slide5.xml><?xml version="1.0" encoding="utf-8"?>
+<p:sld xmlns:a="http://schemas.openxmlformats.org/drawingml/2006/main" xmlns:r="http://schemas.openxmlformats.org/officeDocument/2006/relationships" xmlns:p="http://schemas.openxmlformats.org/presentationml/2006/main">
+  <p:cSld>
+    <p:spTree>
+      <p:nvGrpSpPr>
+        <p:cNvPr id="1" name=""/>
+        <p:cNvGrpSpPr/>
+        <p:nvPr/>
+      </p:nvGrpSpPr>
+      <p:grpSpPr>
+        <a:xfrm>
+          <a:off x="0" y="0"/>
+          <a:ext cx="0" cy="0"/>
+          <a:chOff x="0" y="0"/>
+          <a:chExt cx="0" cy="0"/>
+        </a:xfrm>
+      </p:grpSpPr>
+      <p:sp>
+        <p:nvSpPr>
+          <p:cNvPr id="5" name="TextBox 4"/>
+          <p:cNvSpPr txBox="1"/>
+          <p:nvPr/>
+        </p:nvSpPr>
+        <p:spPr>
+          <a:xfrm>
+            <a:off x="312518" y="-24198"/>
+            <a:ext cx="7326774" cy="523220"/>
+          </a:xfrm>
+          <a:prstGeom prst="rect">
+            <a:avLst/>
+          </a:prstGeom>
+          <a:noFill/>
+        </p:spPr>
+        <p:txBody>
+          <a:bodyPr wrap="square" rtlCol="0">
+            <a:spAutoFit/>
+          </a:bodyPr>
+          <a:lstStyle/>
+          <a:p>
+            <a:r>
+              <a:rPr lang="en-GB" sz="2800" smtClean="0">
+                <a:latin typeface="Bahnschrift" panose="020B0502040204020203" pitchFamily="34" charset="0"/>
+              </a:rPr>
+              <a:t>Important information:</a:t>
+            </a:r>
+            <a:endParaRPr lang="en-GB" sz="2800">
+              <a:latin typeface="Bahnschrift" panose="020B0502040204020203" pitchFamily="34" charset="0"/>
+            </a:endParaRPr>
+          </a:p>
+        </p:txBody>
+      </p:sp>
+      <p:sp>
+        <p:nvSpPr>
+          <p:cNvPr id="2" name="TextBox 1"/>
+          <p:cNvSpPr txBox="1"/>
+          <p:nvPr/>
+        </p:nvSpPr>
+        <p:spPr>
+          <a:xfrm>
+            <a:off x="312518" y="558355"/>
+            <a:ext cx="11680560" cy="2862322"/>
+          </a:xfrm>
+          <a:prstGeom prst="rect">
+            <a:avLst/>
+          </a:prstGeom>
+          <a:noFill/>
+        </p:spPr>
+        <p:txBody>
+          <a:bodyPr wrap="square" rtlCol="0">
+            <a:spAutoFit/>
+          </a:bodyPr>
+          <a:lstStyle/>
+          <a:p>
+            <a:pPr marL="285750" indent="-285750">
+              <a:buFontTx/>
+              <a:buChar char="-"/>
+            </a:pPr>
+            <a:r>
+              <a:rPr lang="en-GB" i="1" smtClean="0">
+                <a:latin typeface="Bahnschrift Light" panose="020B0502040204020203" pitchFamily="34" charset="0"/>
+              </a:rPr>
+              <a:t>You will need a Google account to use Google Colab</a:t>
+            </a:r>
+          </a:p>
+          <a:p>
+            <a:pPr marL="285750" indent="-285750">
+              <a:buFontTx/>
+              <a:buChar char="-"/>
+            </a:pPr>
+            <a:endParaRPr lang="en-GB">
+              <a:latin typeface="Bahnschrift Light" panose="020B0502040204020203" pitchFamily="34" charset="0"/>
+            </a:endParaRPr>
+          </a:p>
+          <a:p>
+            <a:pPr marL="285750" indent="-285750">
+              <a:buFontTx/>
+              <a:buChar char="-"/>
+            </a:pPr>
+            <a:r>
+              <a:rPr lang="en-GB" smtClean="0">
+                <a:latin typeface="Bahnschrift Light" panose="020B0502040204020203" pitchFamily="34" charset="0"/>
+              </a:rPr>
+              <a:t>Visit the Github Repo for this workshop here:  </a:t>
+            </a:r>
+            <a:r>
+              <a:rPr lang="en-GB" smtClean="0">
+                <a:latin typeface="Bahnschrift Light" panose="020B0502040204020203" pitchFamily="34" charset="0"/>
+                <a:hlinkClick r:id="rId2"/>
+              </a:rPr>
+              <a:t>https://github.com/rrr-uom-projects/autoseg_workshop_2023</a:t>
+            </a:r>
+            <a:endParaRPr lang="en-GB" smtClean="0">
+              <a:latin typeface="Bahnschrift Light" panose="020B0502040204020203" pitchFamily="34" charset="0"/>
+            </a:endParaRPr>
+          </a:p>
+          <a:p>
+            <a:pPr marL="285750" indent="-285750">
+              <a:buFontTx/>
+              <a:buChar char="-"/>
+            </a:pPr>
+            <a:endParaRPr lang="en-GB">
+              <a:latin typeface="Bahnschrift Light" panose="020B0502040204020203" pitchFamily="34" charset="0"/>
+            </a:endParaRPr>
+          </a:p>
+          <a:p>
+            <a:pPr marL="285750" indent="-285750">
+              <a:buFontTx/>
+              <a:buChar char="-"/>
+            </a:pPr>
+            <a:r>
+              <a:rPr lang="en-GB" smtClean="0">
+                <a:latin typeface="Bahnschrift Light" panose="020B0502040204020203" pitchFamily="34" charset="0"/>
+              </a:rPr>
+              <a:t>There are links to colab notebooks throughout: 	</a:t>
+            </a:r>
+          </a:p>
+          <a:p>
+            <a:pPr lvl="1"/>
+            <a:endParaRPr lang="en-GB">
+              <a:latin typeface="Bahnschrift Light" panose="020B0502040204020203" pitchFamily="34" charset="0"/>
+            </a:endParaRPr>
+          </a:p>
+          <a:p>
+            <a:pPr lvl="1"/>
+            <a:endParaRPr lang="en-GB">
+              <a:latin typeface="Bahnschrift Light" panose="020B0502040204020203" pitchFamily="34" charset="0"/>
+            </a:endParaRPr>
+          </a:p>
+          <a:p>
+            <a:pPr lvl="1"/>
+            <a:endParaRPr lang="en-GB" smtClean="0">
+              <a:latin typeface="Bahnschrift Light" panose="020B0502040204020203" pitchFamily="34" charset="0"/>
+            </a:endParaRPr>
+          </a:p>
+          <a:p>
+            <a:pPr lvl="1"/>
+            <a:endParaRPr lang="en-GB">
+              <a:latin typeface="Bahnschrift Light" panose="020B0502040204020203" pitchFamily="34" charset="0"/>
+            </a:endParaRPr>
+          </a:p>
+          <a:p>
+            <a:pPr lvl="1"/>
+            <a:endParaRPr lang="en-GB">
+              <a:latin typeface="Bahnschrift Light" panose="020B0502040204020203" pitchFamily="34" charset="0"/>
+            </a:endParaRPr>
+          </a:p>
+        </p:txBody>
+      </p:sp>
+      <p:pic>
+        <p:nvPicPr>
+          <p:cNvPr id="15" name="Picture 14"/>
+          <p:cNvPicPr>
+            <a:picLocks noChangeAspect="1"/>
+          </p:cNvPicPr>
+          <p:nvPr/>
+        </p:nvPicPr>
+        <p:blipFill>
+          <a:blip r:embed="rId3"/>
+          <a:stretch>
+            <a:fillRect/>
+          </a:stretch>
+        </p:blipFill>
+        <p:spPr>
+          <a:xfrm>
+            <a:off x="1452210" y="2180823"/>
+            <a:ext cx="9401175" cy="1085850"/>
+          </a:xfrm>
+          <a:prstGeom prst="rect">
+            <a:avLst/>
+          </a:prstGeom>
+        </p:spPr>
+      </p:pic>
+      <p:sp>
+        <p:nvSpPr>
+          <p:cNvPr id="16" name="TextBox 15"/>
+          <p:cNvSpPr txBox="1"/>
+          <p:nvPr/>
+        </p:nvSpPr>
+        <p:spPr>
+          <a:xfrm>
+            <a:off x="537810" y="3420677"/>
+            <a:ext cx="9331996" cy="1200329"/>
+          </a:xfrm>
+          <a:prstGeom prst="rect">
+            <a:avLst/>
+          </a:prstGeom>
+          <a:noFill/>
+        </p:spPr>
+        <p:txBody>
+          <a:bodyPr wrap="square" rtlCol="0">
+            <a:spAutoFit/>
+          </a:bodyPr>
+          <a:lstStyle/>
+          <a:p>
+            <a:r>
+              <a:rPr lang="en-GB" sz="2400" smtClean="0">
+                <a:solidFill>
+                  <a:srgbClr val="FF0000"/>
+                </a:solidFill>
+                <a:latin typeface="Bahnschrift SemiBold" panose="020B0502040204020203" pitchFamily="34" charset="0"/>
+              </a:rPr>
+              <a:t>!! IMPORTANT !!</a:t>
+            </a:r>
+            <a:r>
+              <a:rPr lang="en-GB" sz="2400">
+                <a:solidFill>
+                  <a:srgbClr val="FF0000"/>
+                </a:solidFill>
+                <a:latin typeface="Bahnschrift SemiBold" panose="020B0502040204020203" pitchFamily="34" charset="0"/>
+              </a:rPr>
+              <a:t> </a:t>
+            </a:r>
+            <a:r>
+              <a:rPr lang="en-GB" sz="2400" smtClean="0">
+                <a:solidFill>
+                  <a:srgbClr val="FF0000"/>
+                </a:solidFill>
+                <a:latin typeface="Bahnschrift SemiBold" panose="020B0502040204020203" pitchFamily="34" charset="0"/>
+              </a:rPr>
+              <a:t>– SAVE YOUR OWN COPY BEFORE EDITING:</a:t>
+            </a:r>
+          </a:p>
+          <a:p>
+            <a:endParaRPr lang="en-GB" sz="2400" smtClean="0">
+              <a:solidFill>
+                <a:srgbClr val="FF0000"/>
+              </a:solidFill>
+              <a:latin typeface="Bahnschrift SemiBold" panose="020B0502040204020203" pitchFamily="34" charset="0"/>
+            </a:endParaRPr>
+          </a:p>
+          <a:p>
+            <a:r>
+              <a:rPr lang="en-GB" sz="2400" smtClean="0">
+                <a:solidFill>
+                  <a:srgbClr val="FF0000"/>
+                </a:solidFill>
+                <a:latin typeface="Bahnschrift SemiBold" panose="020B0502040204020203" pitchFamily="34" charset="0"/>
+              </a:rPr>
+              <a:t>File </a:t>
+            </a:r>
+            <a:r>
+              <a:rPr lang="en-GB" sz="2400" smtClean="0">
+                <a:solidFill>
+                  <a:srgbClr val="FF0000"/>
+                </a:solidFill>
+                <a:latin typeface="Calibri" panose="020F0502020204030204" pitchFamily="34" charset="0"/>
+                <a:cs typeface="Calibri" panose="020F0502020204030204" pitchFamily="34" charset="0"/>
+              </a:rPr>
+              <a:t>→ </a:t>
+            </a:r>
+            <a:r>
+              <a:rPr lang="en-GB" sz="2400" smtClean="0">
+                <a:solidFill>
+                  <a:srgbClr val="FF0000"/>
+                </a:solidFill>
+                <a:latin typeface="Bahnschrift SemiBold" panose="020B0502040204020203" pitchFamily="34" charset="0"/>
+              </a:rPr>
+              <a:t>Save as copy in Drive</a:t>
+            </a:r>
+          </a:p>
+        </p:txBody>
+      </p:sp>
+      <p:pic>
+        <p:nvPicPr>
+          <p:cNvPr id="18" name="Picture 17"/>
+          <p:cNvPicPr>
+            <a:picLocks noChangeAspect="1"/>
+          </p:cNvPicPr>
+          <p:nvPr/>
+        </p:nvPicPr>
+        <p:blipFill>
+          <a:blip r:embed="rId4"/>
+          <a:stretch>
+            <a:fillRect/>
+          </a:stretch>
+        </p:blipFill>
+        <p:spPr>
+          <a:xfrm>
+            <a:off x="5203808" y="3938245"/>
+            <a:ext cx="6496050" cy="1104900"/>
+          </a:xfrm>
+          <a:prstGeom prst="rect">
+            <a:avLst/>
+          </a:prstGeom>
+        </p:spPr>
+      </p:pic>
+      <p:sp>
+        <p:nvSpPr>
+          <p:cNvPr id="19" name="TextBox 18"/>
+          <p:cNvSpPr txBox="1"/>
+          <p:nvPr/>
+        </p:nvSpPr>
+        <p:spPr>
+          <a:xfrm>
+            <a:off x="430328" y="5376047"/>
+            <a:ext cx="9753200" cy="369332"/>
+          </a:xfrm>
+          <a:prstGeom prst="rect">
+            <a:avLst/>
+          </a:prstGeom>
+          <a:noFill/>
+        </p:spPr>
+        <p:txBody>
+          <a:bodyPr wrap="square" rtlCol="0">
+            <a:spAutoFit/>
+          </a:bodyPr>
+          <a:lstStyle/>
+          <a:p>
+            <a:r>
+              <a:rPr lang="en-GB" smtClean="0">
+                <a:latin typeface="Bahnschrift Light" panose="020B0502040204020203" pitchFamily="34" charset="0"/>
+              </a:rPr>
+              <a:t>Make sure you use a GPU: Runtime → Change runtime type </a:t>
+            </a:r>
+            <a:r>
+              <a:rPr lang="en-GB" smtClean="0">
+                <a:latin typeface="Bahnschrift Light" panose="020B0502040204020203" pitchFamily="34" charset="0"/>
+              </a:rPr>
+              <a:t>→ Hardware accelerator = GPU</a:t>
+            </a:r>
+            <a:endParaRPr lang="en-GB" smtClean="0">
+              <a:latin typeface="Bahnschrift Light" panose="020B0502040204020203" pitchFamily="34" charset="0"/>
+            </a:endParaRPr>
+          </a:p>
+        </p:txBody>
+      </p:sp>
+    </p:spTree>
+    <p:extLst>
+      <p:ext uri="{BB962C8B-B14F-4D97-AF65-F5344CB8AC3E}">
+        <p14:creationId xmlns:p14="http://schemas.microsoft.com/office/powerpoint/2010/main" val="1587486959"/>
       </p:ext>
     </p:extLst>
   </p:cSld>
